--- a/documentation.pptx
+++ b/documentation.pptx
@@ -4443,8 +4443,8 @@
         </p:nvSpPr>
         <p:spPr>
           <a:xfrm>
-            <a:off x="3348990" y="3853007"/>
-            <a:ext cx="3596434" cy="1477328"/>
+            <a:off x="3348990" y="3746327"/>
+            <a:ext cx="3989875" cy="1938992"/>
           </a:xfrm>
           <a:prstGeom prst="rect">
             <a:avLst/>
@@ -4461,7 +4461,7 @@
               <a:buAutoNum type="arabicPeriod"/>
             </a:pPr>
             <a:r>
-              <a:rPr lang="en-US" dirty="0"/>
+              <a:rPr lang="en-US" sz="1200" dirty="0"/>
               <a:t>Install firebase cli</a:t>
             </a:r>
           </a:p>
@@ -4470,11 +4470,11 @@
               <a:buAutoNum type="arabicPeriod"/>
             </a:pPr>
             <a:r>
-              <a:rPr lang="en-IN" dirty="0" err="1"/>
+              <a:rPr lang="en-IN" sz="1200" dirty="0" err="1"/>
               <a:t>npm</a:t>
             </a:r>
             <a:r>
-              <a:rPr lang="en-IN" dirty="0"/>
+              <a:rPr lang="en-IN" sz="1200" dirty="0"/>
               <a:t> install -g firebase-tools</a:t>
             </a:r>
           </a:p>
@@ -4483,7 +4483,7 @@
               <a:buAutoNum type="arabicPeriod"/>
             </a:pPr>
             <a:r>
-              <a:rPr lang="en-IN" dirty="0"/>
+              <a:rPr lang="en-IN" sz="1200" dirty="0"/>
               <a:t>Login to firebase</a:t>
             </a:r>
           </a:p>
@@ -4492,15 +4492,147 @@
               <a:buAutoNum type="arabicPeriod"/>
             </a:pPr>
             <a:r>
-              <a:rPr lang="en-IN" dirty="0"/>
+              <a:rPr lang="en-IN" sz="1200" dirty="0"/>
               <a:t>Run: firebase login</a:t>
             </a:r>
           </a:p>
           <a:p>
             <a:pPr marL="342900" indent="-342900">
+              <a:buFontTx/>
               <a:buAutoNum type="arabicPeriod"/>
             </a:pPr>
-            <a:endParaRPr lang="en-IN" dirty="0"/>
+            <a:r>
+              <a:rPr lang="en-IN" sz="1200" dirty="0"/>
+              <a:t>Initialize Firebase Hosting</a:t>
+            </a:r>
+          </a:p>
+          <a:p>
+            <a:pPr marL="800100" lvl="1" indent="-342900">
+              <a:buFontTx/>
+              <a:buAutoNum type="arabicPeriod"/>
+            </a:pPr>
+            <a:r>
+              <a:rPr lang="en-IN" sz="1200" dirty="0"/>
+              <a:t>Firebase </a:t>
+            </a:r>
+            <a:r>
+              <a:rPr lang="en-IN" sz="1200" dirty="0" err="1"/>
+              <a:t>init</a:t>
+            </a:r>
+            <a:r>
+              <a:rPr lang="en-IN" sz="1200" dirty="0"/>
+              <a:t> hosting [</a:t>
+            </a:r>
+            <a:r>
+              <a:rPr lang="en-IN" sz="1200" dirty="0" err="1"/>
+              <a:t>cmd</a:t>
+            </a:r>
+            <a:r>
+              <a:rPr lang="en-IN" sz="1200" dirty="0"/>
+              <a:t>]</a:t>
+            </a:r>
+          </a:p>
+          <a:p>
+            <a:pPr marL="800100" lvl="1" indent="-342900">
+              <a:buFontTx/>
+              <a:buAutoNum type="arabicPeriod"/>
+            </a:pPr>
+            <a:r>
+              <a:rPr lang="en-IN" sz="1200" dirty="0"/>
+              <a:t>upload the files to </a:t>
+            </a:r>
+            <a:r>
+              <a:rPr lang="en-IN" sz="1200" dirty="0" err="1"/>
+              <a:t>github</a:t>
+            </a:r>
+            <a:r>
+              <a:rPr lang="en-IN" sz="1200" dirty="0"/>
+              <a:t> repo during this phase</a:t>
+            </a:r>
+          </a:p>
+          <a:p>
+            <a:pPr marL="342900" indent="-342900">
+              <a:buFontTx/>
+              <a:buAutoNum type="arabicPeriod"/>
+            </a:pPr>
+            <a:r>
+              <a:rPr lang="en-US" sz="1200" dirty="0"/>
+              <a:t>Move Files into Public Directory</a:t>
+            </a:r>
+          </a:p>
+          <a:p>
+            <a:pPr marL="342900" indent="-342900">
+              <a:buFontTx/>
+              <a:buAutoNum type="arabicPeriod"/>
+            </a:pPr>
+            <a:r>
+              <a:rPr lang="en-IN" sz="1200" dirty="0"/>
+              <a:t>Deploy Your Site</a:t>
+            </a:r>
+          </a:p>
+          <a:p>
+            <a:pPr marL="800100" lvl="1" indent="-342900">
+              <a:buFontTx/>
+              <a:buAutoNum type="arabicPeriod"/>
+            </a:pPr>
+            <a:r>
+              <a:rPr lang="en-IN" sz="1200" dirty="0"/>
+              <a:t>firebase deploy --only hosting</a:t>
+            </a:r>
+          </a:p>
+        </p:txBody>
+      </p:sp>
+      <p:sp>
+        <p:nvSpPr>
+          <p:cNvPr id="15" name="TextBox 14">
+            <a:extLst>
+              <a:ext uri="{FF2B5EF4-FFF2-40B4-BE49-F238E27FC236}">
+                <a16:creationId xmlns:a16="http://schemas.microsoft.com/office/drawing/2014/main" id="{4357A54E-C565-9663-DAFA-88606BC0F534}"/>
+              </a:ext>
+            </a:extLst>
+          </p:cNvPr>
+          <p:cNvSpPr txBox="1"/>
+          <p:nvPr/>
+        </p:nvSpPr>
+        <p:spPr>
+          <a:xfrm>
+            <a:off x="7040880" y="1950720"/>
+            <a:ext cx="4316823" cy="646331"/>
+          </a:xfrm>
+          <a:prstGeom prst="rect">
+            <a:avLst/>
+          </a:prstGeom>
+          <a:noFill/>
+        </p:spPr>
+        <p:txBody>
+          <a:bodyPr wrap="none" rtlCol="0">
+            <a:spAutoFit/>
+          </a:bodyPr>
+          <a:lstStyle/>
+          <a:p>
+            <a:r>
+              <a:rPr lang="en-US" dirty="0"/>
+              <a:t>After all of the setups</a:t>
+            </a:r>
+          </a:p>
+          <a:p>
+            <a:r>
+              <a:rPr lang="en-US" dirty="0"/>
+              <a:t>Open hosting </a:t>
+            </a:r>
+            <a:r>
+              <a:rPr lang="en-US" dirty="0" err="1"/>
+              <a:t>url</a:t>
+            </a:r>
+            <a:r>
+              <a:rPr lang="en-US" dirty="0"/>
+              <a:t> to check out </a:t>
+            </a:r>
+            <a:r>
+              <a:rPr lang="en-US"/>
+              <a:t>the static site</a:t>
+            </a:r>
+            <a:endParaRPr lang="en-IN"/>
           </a:p>
         </p:txBody>
       </p:sp>
